--- a/BOBHackathon-AG.pptx
+++ b/BOBHackathon-AG.pptx
@@ -3543,8 +3543,8 @@
         </p:nvSpPr>
         <p:spPr>
           <a:xfrm>
-            <a:off x="669303" y="5112688"/>
-            <a:ext cx="11594969" cy="1200329"/>
+            <a:off x="669304" y="5112688"/>
+            <a:ext cx="10812544" cy="1200329"/>
           </a:xfrm>
           <a:prstGeom prst="rect">
             <a:avLst/>
